--- a/ReadingGroup/ReadingGroup-AdjustNet.pptx
+++ b/ReadingGroup/ReadingGroup-AdjustNet.pptx
@@ -5,7 +5,7 @@
     <p:sldMasterId id="2147483648" r:id="rId1"/>
   </p:sldMasterIdLst>
   <p:handoutMasterIdLst>
-    <p:handoutMasterId r:id="rId9"/>
+    <p:handoutMasterId r:id="rId16"/>
   </p:handoutMasterIdLst>
   <p:sldIdLst>
     <p:sldId id="256" r:id="rId2"/>
@@ -15,6 +15,13 @@
     <p:sldId id="260" r:id="rId6"/>
     <p:sldId id="261" r:id="rId7"/>
     <p:sldId id="262" r:id="rId8"/>
+    <p:sldId id="263" r:id="rId9"/>
+    <p:sldId id="264" r:id="rId10"/>
+    <p:sldId id="267" r:id="rId11"/>
+    <p:sldId id="268" r:id="rId12"/>
+    <p:sldId id="265" r:id="rId13"/>
+    <p:sldId id="266" r:id="rId14"/>
+    <p:sldId id="269" r:id="rId15"/>
   </p:sldIdLst>
   <p:sldSz cx="12192000" cy="6858000"/>
   <p:notesSz cx="6858000" cy="9144000"/>
@@ -114,6 +121,28 @@
     </a:lvl9pPr>
   </p:defaultTextStyle>
   <p:extLst>
+    <p:ext uri="{521415D9-36F7-43E2-AB2F-B90AF26B5E84}">
+      <p14:sectionLst xmlns:p14="http://schemas.microsoft.com/office/powerpoint/2010/main">
+        <p14:section name="Default Section" id="{7CDF6DF3-9C2D-BF4F-82FF-B9E36FC71415}">
+          <p14:sldIdLst>
+            <p14:sldId id="256"/>
+            <p14:sldId id="257"/>
+            <p14:sldId id="258"/>
+            <p14:sldId id="259"/>
+            <p14:sldId id="260"/>
+            <p14:sldId id="261"/>
+            <p14:sldId id="262"/>
+            <p14:sldId id="263"/>
+            <p14:sldId id="264"/>
+            <p14:sldId id="267"/>
+            <p14:sldId id="268"/>
+            <p14:sldId id="265"/>
+            <p14:sldId id="266"/>
+            <p14:sldId id="269"/>
+          </p14:sldIdLst>
+        </p14:section>
+      </p14:sectionLst>
+    </p:ext>
     <p:ext uri="{EFAFB233-063F-42B5-8137-9DF3F51BA10A}">
       <p15:sldGuideLst xmlns:p15="http://schemas.microsoft.com/office/powerpoint/2012/main">
         <p15:guide id="1" orient="horz" pos="2160" userDrawn="1">
@@ -7943,6 +7972,960 @@
 </p:sld>
 </file>
 
+<file path=ppt/slides/slide10.xml><?xml version="1.0" encoding="utf-8"?>
+<p:sld xmlns:a="http://schemas.openxmlformats.org/drawingml/2006/main" xmlns:r="http://schemas.openxmlformats.org/officeDocument/2006/relationships" xmlns:p="http://schemas.openxmlformats.org/presentationml/2006/main">
+  <p:cSld>
+    <p:spTree>
+      <p:nvGrpSpPr>
+        <p:cNvPr id="1" name=""/>
+        <p:cNvGrpSpPr/>
+        <p:nvPr/>
+      </p:nvGrpSpPr>
+      <p:grpSpPr>
+        <a:xfrm>
+          <a:off x="0" y="0"/>
+          <a:ext cx="0" cy="0"/>
+          <a:chOff x="0" y="0"/>
+          <a:chExt cx="0" cy="0"/>
+        </a:xfrm>
+      </p:grpSpPr>
+      <p:sp>
+        <p:nvSpPr>
+          <p:cNvPr id="2" name="Title 1">
+            <a:extLst>
+              <a:ext uri="{FF2B5EF4-FFF2-40B4-BE49-F238E27FC236}">
+                <a16:creationId xmlns:a16="http://schemas.microsoft.com/office/drawing/2014/main" id="{7119D456-5E6F-CA48-8396-F5B4AF485F24}"/>
+              </a:ext>
+            </a:extLst>
+          </p:cNvPr>
+          <p:cNvSpPr>
+            <a:spLocks noGrp="1"/>
+          </p:cNvSpPr>
+          <p:nvPr>
+            <p:ph type="title"/>
+          </p:nvPr>
+        </p:nvSpPr>
+        <p:spPr/>
+        <p:txBody>
+          <a:bodyPr/>
+          <a:lstStyle/>
+          <a:p>
+            <a:r>
+              <a:rPr lang="en-US" dirty="0" err="1"/>
+              <a:t>ProjecToR</a:t>
+            </a:r>
+            <a:r>
+              <a:rPr lang="en-US" dirty="0"/>
+              <a:t>:</a:t>
+            </a:r>
+            <a:br>
+              <a:rPr lang="en-US" dirty="0"/>
+            </a:br>
+            <a:r>
+              <a:rPr lang="en-US" dirty="0"/>
+              <a:t>Scheduling Of Links</a:t>
+            </a:r>
+          </a:p>
+        </p:txBody>
+      </p:sp>
+      <p:sp>
+        <p:nvSpPr>
+          <p:cNvPr id="3" name="Content Placeholder 2">
+            <a:extLst>
+              <a:ext uri="{FF2B5EF4-FFF2-40B4-BE49-F238E27FC236}">
+                <a16:creationId xmlns:a16="http://schemas.microsoft.com/office/drawing/2014/main" id="{AAF92AE0-BDBF-604F-B41D-45365D402031}"/>
+              </a:ext>
+            </a:extLst>
+          </p:cNvPr>
+          <p:cNvSpPr>
+            <a:spLocks noGrp="1"/>
+          </p:cNvSpPr>
+          <p:nvPr>
+            <p:ph idx="1"/>
+          </p:nvPr>
+        </p:nvSpPr>
+        <p:spPr/>
+        <p:txBody>
+          <a:bodyPr>
+            <a:normAutofit fontScale="70000" lnSpcReduction="20000"/>
+          </a:bodyPr>
+          <a:lstStyle/>
+          <a:p>
+            <a:r>
+              <a:rPr lang="en-IN" dirty="0"/>
+              <a:t>given a set of </a:t>
+            </a:r>
+            <a:r>
+              <a:rPr lang="en-IN" dirty="0" err="1"/>
+              <a:t>po-tential</a:t>
+            </a:r>
+            <a:r>
+              <a:rPr lang="en-IN" dirty="0"/>
+              <a:t> opportunistic links and current traffic bundles, find </a:t>
+            </a:r>
+            <a:r>
+              <a:rPr lang="en-IN" dirty="0" err="1"/>
+              <a:t>aset</a:t>
+            </a:r>
+            <a:r>
+              <a:rPr lang="en-IN" dirty="0"/>
+              <a:t> of active opportunistic links such that each laser is con-</a:t>
+            </a:r>
+            <a:r>
+              <a:rPr lang="en-IN" dirty="0" err="1"/>
+              <a:t>nected</a:t>
+            </a:r>
+            <a:r>
+              <a:rPr lang="en-IN" dirty="0"/>
+              <a:t> to at most one photodetector and vice versa. In </a:t>
+            </a:r>
+            <a:r>
+              <a:rPr lang="en-IN" dirty="0" err="1"/>
+              <a:t>otherwords</a:t>
+            </a:r>
+            <a:r>
+              <a:rPr lang="en-IN" dirty="0"/>
+              <a:t>, the set of active edges should form </a:t>
+            </a:r>
+            <a:r>
+              <a:rPr lang="en-IN" dirty="0" err="1"/>
+              <a:t>amatchingbe</a:t>
+            </a:r>
+            <a:r>
+              <a:rPr lang="en-IN" dirty="0"/>
+              <a:t>-tween lasers and photodetectors.</a:t>
+            </a:r>
+          </a:p>
+          <a:p>
+            <a:r>
+              <a:rPr lang="en-IN" dirty="0"/>
+              <a:t>At first blush, our problem appears as the standard </a:t>
+            </a:r>
+            <a:r>
+              <a:rPr lang="en-IN" dirty="0" err="1"/>
+              <a:t>switchscheduling</a:t>
+            </a:r>
+            <a:r>
+              <a:rPr lang="en-IN" dirty="0"/>
+              <a:t> problem: given the current state of the </a:t>
+            </a:r>
+            <a:r>
+              <a:rPr lang="en-IN" dirty="0" err="1"/>
+              <a:t>queues,match</a:t>
+            </a:r>
+            <a:r>
+              <a:rPr lang="en-IN" dirty="0"/>
+              <a:t> input-output ports. An important distinction, how-ever, is that our problem is two-tiered. While the traffic ma-</a:t>
+            </a:r>
+            <a:r>
+              <a:rPr lang="en-IN" dirty="0" err="1"/>
+              <a:t>trix</a:t>
+            </a:r>
+            <a:r>
+              <a:rPr lang="en-IN" dirty="0"/>
+              <a:t> is between </a:t>
+            </a:r>
+            <a:r>
+              <a:rPr lang="en-IN" dirty="0" err="1"/>
+              <a:t>ToRs</a:t>
+            </a:r>
+            <a:r>
+              <a:rPr lang="en-IN" dirty="0"/>
+              <a:t>, matching occurs between lasers </a:t>
+            </a:r>
+            <a:r>
+              <a:rPr lang="en-IN" dirty="0" err="1"/>
+              <a:t>andphotodetectors</a:t>
+            </a:r>
+            <a:r>
+              <a:rPr lang="en-IN" dirty="0"/>
+              <a:t>, and there are multiples of those per </a:t>
+            </a:r>
+            <a:r>
+              <a:rPr lang="en-IN" dirty="0" err="1"/>
+              <a:t>ToR</a:t>
+            </a:r>
+            <a:r>
+              <a:rPr lang="en-IN" dirty="0"/>
+              <a:t>.</a:t>
+            </a:r>
+          </a:p>
+          <a:p>
+            <a:r>
+              <a:rPr lang="en-IN" dirty="0"/>
+              <a:t>Because of this distinction, we cannot use existing match-</a:t>
+            </a:r>
+            <a:r>
+              <a:rPr lang="en-IN" dirty="0" err="1"/>
+              <a:t>ing</a:t>
+            </a:r>
+            <a:r>
+              <a:rPr lang="en-IN" dirty="0"/>
+              <a:t> approaches [29, 30] out of the </a:t>
+            </a:r>
+            <a:r>
+              <a:rPr lang="en-IN" dirty="0" err="1"/>
+              <a:t>box.Simply</a:t>
+            </a:r>
+            <a:r>
+              <a:rPr lang="en-IN" dirty="0"/>
+              <a:t> </a:t>
+            </a:r>
+            <a:r>
+              <a:rPr lang="en-IN" dirty="0" err="1"/>
+              <a:t>stated,the</a:t>
+            </a:r>
+            <a:r>
+              <a:rPr lang="en-IN" dirty="0"/>
+              <a:t> presence of two-tiers complicates the </a:t>
+            </a:r>
+            <a:r>
+              <a:rPr lang="en-IN" dirty="0" err="1"/>
+              <a:t>computationalstructure</a:t>
+            </a:r>
+            <a:r>
+              <a:rPr lang="en-IN" dirty="0"/>
+              <a:t> of the problem. </a:t>
+            </a:r>
+          </a:p>
+          <a:p>
+            <a:r>
+              <a:rPr lang="en-IN" dirty="0"/>
+              <a:t>For instance, an </a:t>
+            </a:r>
+            <a:r>
+              <a:rPr lang="en-IN" dirty="0" err="1"/>
+              <a:t>instantaneousthroughput</a:t>
+            </a:r>
+            <a:r>
+              <a:rPr lang="en-IN" dirty="0"/>
+              <a:t> maximizing matching for the single-tier case </a:t>
+            </a:r>
+            <a:r>
+              <a:rPr lang="en-IN" dirty="0" err="1"/>
+              <a:t>canbe</a:t>
+            </a:r>
+            <a:r>
+              <a:rPr lang="en-IN" dirty="0"/>
+              <a:t> found using efficient maximum weight matching </a:t>
+            </a:r>
+            <a:r>
+              <a:rPr lang="en-IN" dirty="0" err="1"/>
+              <a:t>algo-rithms</a:t>
+            </a:r>
+            <a:r>
+              <a:rPr lang="en-IN" dirty="0"/>
+              <a:t> [15], but for the the two-tier case, we currently do </a:t>
+            </a:r>
+            <a:r>
+              <a:rPr lang="en-IN" dirty="0" err="1"/>
+              <a:t>notknow</a:t>
+            </a:r>
+            <a:r>
+              <a:rPr lang="en-IN" dirty="0"/>
+              <a:t> whether the problem is polynomial time solvable </a:t>
+            </a:r>
+            <a:r>
+              <a:rPr lang="en-IN" dirty="0" err="1"/>
+              <a:t>orNP</a:t>
+            </a:r>
+            <a:r>
+              <a:rPr lang="en-IN" dirty="0"/>
+              <a:t>-Hard. (As we will go on to show, latency </a:t>
+            </a:r>
+            <a:r>
+              <a:rPr lang="en-IN" dirty="0" err="1"/>
+              <a:t>minimiza-tion</a:t>
+            </a:r>
+            <a:r>
+              <a:rPr lang="en-IN" dirty="0"/>
+              <a:t> is solvable in polynomial time).</a:t>
+            </a:r>
+            <a:endParaRPr lang="en-US" dirty="0"/>
+          </a:p>
+        </p:txBody>
+      </p:sp>
+    </p:spTree>
+    <p:extLst>
+      <p:ext uri="{BB962C8B-B14F-4D97-AF65-F5344CB8AC3E}">
+        <p14:creationId xmlns:p14="http://schemas.microsoft.com/office/powerpoint/2010/main" val="652303008"/>
+      </p:ext>
+    </p:extLst>
+  </p:cSld>
+  <p:clrMapOvr>
+    <a:masterClrMapping/>
+  </p:clrMapOvr>
+</p:sld>
+</file>
+
+<file path=ppt/slides/slide11.xml><?xml version="1.0" encoding="utf-8"?>
+<p:sld xmlns:a="http://schemas.openxmlformats.org/drawingml/2006/main" xmlns:r="http://schemas.openxmlformats.org/officeDocument/2006/relationships" xmlns:p="http://schemas.openxmlformats.org/presentationml/2006/main">
+  <p:cSld>
+    <p:spTree>
+      <p:nvGrpSpPr>
+        <p:cNvPr id="1" name=""/>
+        <p:cNvGrpSpPr/>
+        <p:nvPr/>
+      </p:nvGrpSpPr>
+      <p:grpSpPr>
+        <a:xfrm>
+          <a:off x="0" y="0"/>
+          <a:ext cx="0" cy="0"/>
+          <a:chOff x="0" y="0"/>
+          <a:chExt cx="0" cy="0"/>
+        </a:xfrm>
+      </p:grpSpPr>
+      <p:sp>
+        <p:nvSpPr>
+          <p:cNvPr id="2" name="Title 1">
+            <a:extLst>
+              <a:ext uri="{FF2B5EF4-FFF2-40B4-BE49-F238E27FC236}">
+                <a16:creationId xmlns:a16="http://schemas.microsoft.com/office/drawing/2014/main" id="{262FD673-1631-3140-8D08-35BC940E80F1}"/>
+              </a:ext>
+            </a:extLst>
+          </p:cNvPr>
+          <p:cNvSpPr>
+            <a:spLocks noGrp="1"/>
+          </p:cNvSpPr>
+          <p:nvPr>
+            <p:ph type="title"/>
+          </p:nvPr>
+        </p:nvSpPr>
+        <p:spPr/>
+        <p:txBody>
+          <a:bodyPr/>
+          <a:lstStyle/>
+          <a:p>
+            <a:r>
+              <a:rPr lang="en-US" dirty="0" err="1"/>
+              <a:t>ProjecToR</a:t>
+            </a:r>
+            <a:r>
+              <a:rPr lang="en-US" dirty="0"/>
+              <a:t>:</a:t>
+            </a:r>
+            <a:br>
+              <a:rPr lang="en-US" dirty="0"/>
+            </a:br>
+            <a:r>
+              <a:rPr lang="en-US" dirty="0"/>
+              <a:t>ILP Formulation</a:t>
+            </a:r>
+          </a:p>
+        </p:txBody>
+      </p:sp>
+      <mc:AlternateContent xmlns:mc="http://schemas.openxmlformats.org/markup-compatibility/2006">
+        <mc:Choice xmlns:a14="http://schemas.microsoft.com/office/drawing/2010/main" Requires="a14">
+          <p:sp>
+            <p:nvSpPr>
+              <p:cNvPr id="3" name="Content Placeholder 2">
+                <a:extLst>
+                  <a:ext uri="{FF2B5EF4-FFF2-40B4-BE49-F238E27FC236}">
+                    <a16:creationId xmlns:a16="http://schemas.microsoft.com/office/drawing/2014/main" id="{54C883BF-2E64-4E46-BAAD-991E482D0145}"/>
+                  </a:ext>
+                </a:extLst>
+              </p:cNvPr>
+              <p:cNvSpPr>
+                <a:spLocks noGrp="1"/>
+              </p:cNvSpPr>
+              <p:nvPr>
+                <p:ph idx="1"/>
+              </p:nvPr>
+            </p:nvSpPr>
+            <p:spPr/>
+            <p:txBody>
+              <a:bodyPr/>
+              <a:lstStyle/>
+              <a:p>
+                <a:pPr marL="0" indent="0" algn="ctr">
+                  <a:buNone/>
+                </a:pPr>
+                <a:r>
+                  <a:rPr lang="en-US" b="0" dirty="0"/>
+                  <a:t>For each Bundle j </a:t>
+                </a:r>
+                <a14:m>
+                  <m:oMath xmlns:m="http://schemas.openxmlformats.org/officeDocument/2006/math">
+                    <m:r>
+                      <a:rPr lang="en-US" b="0" i="1" smtClean="0">
+                        <a:latin typeface="Cambria Math" panose="02040503050406030204" pitchFamily="18" charset="0"/>
+                      </a:rPr>
+                      <m:t>𝑀𝑖𝑛𝑖𝑚𝑖𝑧</m:t>
+                    </m:r>
+                    <m:sSub>
+                      <m:sSubPr>
+                        <m:ctrlPr>
+                          <a:rPr lang="en-US" b="0" i="1" smtClean="0">
+                            <a:latin typeface="Cambria Math" panose="02040503050406030204" pitchFamily="18" charset="0"/>
+                          </a:rPr>
+                        </m:ctrlPr>
+                      </m:sSubPr>
+                      <m:e>
+                        <m:r>
+                          <a:rPr lang="en-US" b="0" i="1" smtClean="0">
+                            <a:latin typeface="Cambria Math" panose="02040503050406030204" pitchFamily="18" charset="0"/>
+                          </a:rPr>
+                          <m:t>𝑒</m:t>
+                        </m:r>
+                      </m:e>
+                      <m:sub>
+                        <m:r>
+                          <a:rPr lang="en-US" b="0" i="1" smtClean="0">
+                            <a:latin typeface="Cambria Math" panose="02040503050406030204" pitchFamily="18" charset="0"/>
+                          </a:rPr>
+                          <m:t>𝑗</m:t>
+                        </m:r>
+                      </m:sub>
+                    </m:sSub>
+                    <m:r>
+                      <a:rPr lang="en-US" b="0" i="1" smtClean="0">
+                        <a:latin typeface="Cambria Math" panose="02040503050406030204" pitchFamily="18" charset="0"/>
+                      </a:rPr>
+                      <m:t> (</m:t>
+                    </m:r>
+                    <m:sSub>
+                      <m:sSubPr>
+                        <m:ctrlPr>
+                          <a:rPr lang="en-US" b="0" i="1" smtClean="0">
+                            <a:latin typeface="Cambria Math" panose="02040503050406030204" pitchFamily="18" charset="0"/>
+                          </a:rPr>
+                        </m:ctrlPr>
+                      </m:sSubPr>
+                      <m:e>
+                        <m:r>
+                          <a:rPr lang="en-US" b="0" i="1" smtClean="0">
+                            <a:latin typeface="Cambria Math" panose="02040503050406030204" pitchFamily="18" charset="0"/>
+                          </a:rPr>
+                          <m:t>𝑙</m:t>
+                        </m:r>
+                      </m:e>
+                      <m:sub>
+                        <m:r>
+                          <a:rPr lang="en-US" b="0" i="1" smtClean="0">
+                            <a:latin typeface="Cambria Math" panose="02040503050406030204" pitchFamily="18" charset="0"/>
+                          </a:rPr>
+                          <m:t>1</m:t>
+                        </m:r>
+                      </m:sub>
+                    </m:sSub>
+                    <m:r>
+                      <a:rPr lang="en-US" b="0" i="1" smtClean="0">
+                        <a:latin typeface="Cambria Math" panose="02040503050406030204" pitchFamily="18" charset="0"/>
+                      </a:rPr>
+                      <m:t>𝑁𝑜𝑟𝑚</m:t>
+                    </m:r>
+                    <m:r>
+                      <a:rPr lang="en-US" b="0" i="1" smtClean="0">
+                        <a:latin typeface="Cambria Math" panose="02040503050406030204" pitchFamily="18" charset="0"/>
+                      </a:rPr>
+                      <m:t> </m:t>
+                    </m:r>
+                    <m:r>
+                      <a:rPr lang="en-US" b="0" i="1" smtClean="0">
+                        <a:latin typeface="Cambria Math" panose="02040503050406030204" pitchFamily="18" charset="0"/>
+                      </a:rPr>
+                      <m:t>𝑜𝑓</m:t>
+                    </m:r>
+                    <m:r>
+                      <a:rPr lang="en-US" b="0" i="1" smtClean="0">
+                        <a:latin typeface="Cambria Math" panose="02040503050406030204" pitchFamily="18" charset="0"/>
+                      </a:rPr>
+                      <m:t> </m:t>
+                    </m:r>
+                    <m:r>
+                      <a:rPr lang="en-US" b="0" i="1" smtClean="0">
+                        <a:latin typeface="Cambria Math" panose="02040503050406030204" pitchFamily="18" charset="0"/>
+                      </a:rPr>
+                      <m:t>𝐿𝑎𝑡𝑒𝑛𝑐𝑦</m:t>
+                    </m:r>
+                    <m:r>
+                      <a:rPr lang="en-US" b="0" i="1" smtClean="0">
+                        <a:latin typeface="Cambria Math" panose="02040503050406030204" pitchFamily="18" charset="0"/>
+                      </a:rPr>
+                      <m:t>)</m:t>
+                    </m:r>
+                  </m:oMath>
+                </a14:m>
+                <a:endParaRPr lang="en-US" dirty="0"/>
+              </a:p>
+              <a:p>
+                <a:r>
+                  <a:rPr lang="en-US" dirty="0"/>
+                  <a:t>Bi-partite matching problem</a:t>
+                </a:r>
+              </a:p>
+              <a:p>
+                <a:pPr lvl="1"/>
+                <a:r>
+                  <a:rPr lang="en-US" dirty="0"/>
+                  <a:t>Discrete time</a:t>
+                </a:r>
+              </a:p>
+              <a:p>
+                <a:pPr lvl="1"/>
+                <a:r>
+                  <a:rPr lang="en-US" dirty="0"/>
+                  <a:t>Sources vs Destination</a:t>
+                </a:r>
+              </a:p>
+            </p:txBody>
+          </p:sp>
+        </mc:Choice>
+        <mc:Fallback>
+          <p:sp>
+            <p:nvSpPr>
+              <p:cNvPr id="3" name="Content Placeholder 2">
+                <a:extLst>
+                  <a:ext uri="{FF2B5EF4-FFF2-40B4-BE49-F238E27FC236}">
+                    <a16:creationId xmlns:a16="http://schemas.microsoft.com/office/drawing/2014/main" id="{54C883BF-2E64-4E46-BAAD-991E482D0145}"/>
+                  </a:ext>
+                </a:extLst>
+              </p:cNvPr>
+              <p:cNvSpPr>
+                <a:spLocks noGrp="1" noRot="1" noChangeAspect="1" noMove="1" noResize="1" noEditPoints="1" noAdjustHandles="1" noChangeArrowheads="1" noChangeShapeType="1" noTextEdit="1"/>
+              </p:cNvSpPr>
+              <p:nvPr>
+                <p:ph idx="1"/>
+              </p:nvPr>
+            </p:nvSpPr>
+            <p:spPr>
+              <a:blipFill>
+                <a:blip r:embed="rId2"/>
+                <a:stretch>
+                  <a:fillRect l="-792" t="-1761"/>
+                </a:stretch>
+              </a:blipFill>
+            </p:spPr>
+            <p:txBody>
+              <a:bodyPr/>
+              <a:lstStyle/>
+              <a:p>
+                <a:r>
+                  <a:rPr lang="en-US">
+                    <a:noFill/>
+                  </a:rPr>
+                  <a:t> </a:t>
+                </a:r>
+              </a:p>
+            </p:txBody>
+          </p:sp>
+        </mc:Fallback>
+      </mc:AlternateContent>
+      <p:pic>
+        <p:nvPicPr>
+          <p:cNvPr id="5" name="Picture 4">
+            <a:extLst>
+              <a:ext uri="{FF2B5EF4-FFF2-40B4-BE49-F238E27FC236}">
+                <a16:creationId xmlns:a16="http://schemas.microsoft.com/office/drawing/2014/main" id="{0534C99E-1EF5-6C47-AFD0-7C08979E40E9}"/>
+              </a:ext>
+            </a:extLst>
+          </p:cNvPr>
+          <p:cNvPicPr>
+            <a:picLocks noChangeAspect="1"/>
+          </p:cNvPicPr>
+          <p:nvPr/>
+        </p:nvPicPr>
+        <p:blipFill>
+          <a:blip r:embed="rId3"/>
+          <a:stretch>
+            <a:fillRect/>
+          </a:stretch>
+        </p:blipFill>
+        <p:spPr>
+          <a:xfrm>
+            <a:off x="6096000" y="3429000"/>
+            <a:ext cx="5759450" cy="3162300"/>
+          </a:xfrm>
+          <a:prstGeom prst="rect">
+            <a:avLst/>
+          </a:prstGeom>
+        </p:spPr>
+      </p:pic>
+    </p:spTree>
+    <p:extLst>
+      <p:ext uri="{BB962C8B-B14F-4D97-AF65-F5344CB8AC3E}">
+        <p14:creationId xmlns:p14="http://schemas.microsoft.com/office/powerpoint/2010/main" val="2573936754"/>
+      </p:ext>
+    </p:extLst>
+  </p:cSld>
+  <p:clrMapOvr>
+    <a:masterClrMapping/>
+  </p:clrMapOvr>
+</p:sld>
+</file>
+
+<file path=ppt/slides/slide12.xml><?xml version="1.0" encoding="utf-8"?>
+<p:sld xmlns:a="http://schemas.openxmlformats.org/drawingml/2006/main" xmlns:r="http://schemas.openxmlformats.org/officeDocument/2006/relationships" xmlns:p="http://schemas.openxmlformats.org/presentationml/2006/main">
+  <p:cSld>
+    <p:spTree>
+      <p:nvGrpSpPr>
+        <p:cNvPr id="1" name=""/>
+        <p:cNvGrpSpPr/>
+        <p:nvPr/>
+      </p:nvGrpSpPr>
+      <p:grpSpPr>
+        <a:xfrm>
+          <a:off x="0" y="0"/>
+          <a:ext cx="0" cy="0"/>
+          <a:chOff x="0" y="0"/>
+          <a:chExt cx="0" cy="0"/>
+        </a:xfrm>
+      </p:grpSpPr>
+      <p:sp>
+        <p:nvSpPr>
+          <p:cNvPr id="2" name="Title 1">
+            <a:extLst>
+              <a:ext uri="{FF2B5EF4-FFF2-40B4-BE49-F238E27FC236}">
+                <a16:creationId xmlns:a16="http://schemas.microsoft.com/office/drawing/2014/main" id="{A2B158B8-BFC2-9C41-AD49-4A17AEFB942F}"/>
+              </a:ext>
+            </a:extLst>
+          </p:cNvPr>
+          <p:cNvSpPr>
+            <a:spLocks noGrp="1"/>
+          </p:cNvSpPr>
+          <p:nvPr>
+            <p:ph type="title"/>
+          </p:nvPr>
+        </p:nvSpPr>
+        <p:spPr/>
+        <p:txBody>
+          <a:bodyPr/>
+          <a:lstStyle/>
+          <a:p>
+            <a:r>
+              <a:rPr lang="en-US" dirty="0" err="1"/>
+              <a:t>ProjecToR</a:t>
+            </a:r>
+            <a:r>
+              <a:rPr lang="en-US" dirty="0"/>
+              <a:t>:</a:t>
+            </a:r>
+            <a:br>
+              <a:rPr lang="en-US" dirty="0"/>
+            </a:br>
+            <a:r>
+              <a:rPr lang="en-US" dirty="0"/>
+              <a:t>Test Bed</a:t>
+            </a:r>
+          </a:p>
+        </p:txBody>
+      </p:sp>
+      <p:sp>
+        <p:nvSpPr>
+          <p:cNvPr id="3" name="Content Placeholder 2">
+            <a:extLst>
+              <a:ext uri="{FF2B5EF4-FFF2-40B4-BE49-F238E27FC236}">
+                <a16:creationId xmlns:a16="http://schemas.microsoft.com/office/drawing/2014/main" id="{5F3EC73D-6E3D-9D4F-B4F4-4BB4B45C94F6}"/>
+              </a:ext>
+            </a:extLst>
+          </p:cNvPr>
+          <p:cNvSpPr>
+            <a:spLocks noGrp="1"/>
+          </p:cNvSpPr>
+          <p:nvPr>
+            <p:ph idx="1"/>
+          </p:nvPr>
+        </p:nvSpPr>
+        <p:spPr/>
+        <p:txBody>
+          <a:bodyPr/>
+          <a:lstStyle/>
+          <a:p>
+            <a:r>
+              <a:rPr lang="en-US" dirty="0"/>
+              <a:t>“</a:t>
+            </a:r>
+            <a:r>
+              <a:rPr lang="en-IN" dirty="0"/>
+              <a:t>We built a three-</a:t>
+            </a:r>
+            <a:r>
+              <a:rPr lang="en-IN" dirty="0" err="1"/>
+              <a:t>ToR</a:t>
+            </a:r>
+            <a:r>
+              <a:rPr lang="en-IN" dirty="0"/>
+              <a:t> prototype of </a:t>
+            </a:r>
+            <a:r>
+              <a:rPr lang="en-IN" dirty="0" err="1"/>
+              <a:t>ProjecToR</a:t>
+            </a:r>
+            <a:r>
+              <a:rPr lang="en-IN" dirty="0"/>
+              <a:t> using </a:t>
+            </a:r>
+            <a:r>
+              <a:rPr lang="en-IN" dirty="0" err="1"/>
+              <a:t>threeTexas</a:t>
+            </a:r>
+            <a:r>
+              <a:rPr lang="en-IN" dirty="0"/>
+              <a:t> Instruments DLP Discovery 4100 kits with 0.7 </a:t>
+            </a:r>
+            <a:r>
+              <a:rPr lang="en-IN" dirty="0" err="1"/>
+              <a:t>XGAChipset</a:t>
+            </a:r>
+            <a:r>
+              <a:rPr lang="en-IN" dirty="0"/>
+              <a:t> [2]. Each </a:t>
+            </a:r>
+            <a:r>
+              <a:rPr lang="en-IN" dirty="0" err="1"/>
+              <a:t>ToR</a:t>
+            </a:r>
+            <a:r>
+              <a:rPr lang="en-IN" dirty="0"/>
+              <a:t> is equipped with one transmitter </a:t>
+            </a:r>
+            <a:r>
+              <a:rPr lang="en-IN" dirty="0" err="1"/>
+              <a:t>andone</a:t>
+            </a:r>
+            <a:r>
+              <a:rPr lang="en-IN" dirty="0"/>
+              <a:t> DMD.”</a:t>
+            </a:r>
+            <a:endParaRPr lang="en-US" dirty="0"/>
+          </a:p>
+        </p:txBody>
+      </p:sp>
+      <p:pic>
+        <p:nvPicPr>
+          <p:cNvPr id="5" name="Picture 4">
+            <a:extLst>
+              <a:ext uri="{FF2B5EF4-FFF2-40B4-BE49-F238E27FC236}">
+                <a16:creationId xmlns:a16="http://schemas.microsoft.com/office/drawing/2014/main" id="{8065BCB5-623A-5F46-8463-37439F56878A}"/>
+              </a:ext>
+            </a:extLst>
+          </p:cNvPr>
+          <p:cNvPicPr>
+            <a:picLocks noChangeAspect="1"/>
+          </p:cNvPicPr>
+          <p:nvPr/>
+        </p:nvPicPr>
+        <p:blipFill rotWithShape="1">
+          <a:blip r:embed="rId2"/>
+          <a:srcRect l="2445" t="4563" r="1538"/>
+          <a:stretch/>
+        </p:blipFill>
+        <p:spPr>
+          <a:xfrm>
+            <a:off x="2138768" y="3549112"/>
+            <a:ext cx="7950630" cy="3308888"/>
+          </a:xfrm>
+          <a:prstGeom prst="rect">
+            <a:avLst/>
+          </a:prstGeom>
+        </p:spPr>
+      </p:pic>
+    </p:spTree>
+    <p:extLst>
+      <p:ext uri="{BB962C8B-B14F-4D97-AF65-F5344CB8AC3E}">
+        <p14:creationId xmlns:p14="http://schemas.microsoft.com/office/powerpoint/2010/main" val="2084603978"/>
+      </p:ext>
+    </p:extLst>
+  </p:cSld>
+  <p:clrMapOvr>
+    <a:masterClrMapping/>
+  </p:clrMapOvr>
+</p:sld>
+</file>
+
+<file path=ppt/slides/slide13.xml><?xml version="1.0" encoding="utf-8"?>
+<p:sld xmlns:a="http://schemas.openxmlformats.org/drawingml/2006/main" xmlns:r="http://schemas.openxmlformats.org/officeDocument/2006/relationships" xmlns:p="http://schemas.openxmlformats.org/presentationml/2006/main">
+  <p:cSld>
+    <p:spTree>
+      <p:nvGrpSpPr>
+        <p:cNvPr id="1" name=""/>
+        <p:cNvGrpSpPr/>
+        <p:nvPr/>
+      </p:nvGrpSpPr>
+      <p:grpSpPr>
+        <a:xfrm>
+          <a:off x="0" y="0"/>
+          <a:ext cx="0" cy="0"/>
+          <a:chOff x="0" y="0"/>
+          <a:chExt cx="0" cy="0"/>
+        </a:xfrm>
+      </p:grpSpPr>
+      <p:sp>
+        <p:nvSpPr>
+          <p:cNvPr id="2" name="Title 1">
+            <a:extLst>
+              <a:ext uri="{FF2B5EF4-FFF2-40B4-BE49-F238E27FC236}">
+                <a16:creationId xmlns:a16="http://schemas.microsoft.com/office/drawing/2014/main" id="{1D4BF1C3-B438-F649-BAD0-DE6BBCE67535}"/>
+              </a:ext>
+            </a:extLst>
+          </p:cNvPr>
+          <p:cNvSpPr>
+            <a:spLocks noGrp="1"/>
+          </p:cNvSpPr>
+          <p:nvPr>
+            <p:ph type="title"/>
+          </p:nvPr>
+        </p:nvSpPr>
+        <p:spPr/>
+        <p:txBody>
+          <a:bodyPr/>
+          <a:lstStyle/>
+          <a:p>
+            <a:r>
+              <a:rPr lang="en-US" dirty="0"/>
+              <a:t>Key Findings:</a:t>
+            </a:r>
+            <a:br>
+              <a:rPr lang="en-US" dirty="0"/>
+            </a:br>
+            <a:r>
+              <a:rPr lang="en-US" dirty="0"/>
+              <a:t>Experimental Results</a:t>
+            </a:r>
+          </a:p>
+        </p:txBody>
+      </p:sp>
+      <p:sp>
+        <p:nvSpPr>
+          <p:cNvPr id="3" name="Content Placeholder 2">
+            <a:extLst>
+              <a:ext uri="{FF2B5EF4-FFF2-40B4-BE49-F238E27FC236}">
+                <a16:creationId xmlns:a16="http://schemas.microsoft.com/office/drawing/2014/main" id="{8DEB0909-5BEA-BC4D-8424-4B07603D86D9}"/>
+              </a:ext>
+            </a:extLst>
+          </p:cNvPr>
+          <p:cNvSpPr>
+            <a:spLocks noGrp="1"/>
+          </p:cNvSpPr>
+          <p:nvPr>
+            <p:ph idx="1"/>
+          </p:nvPr>
+        </p:nvSpPr>
+        <p:spPr/>
+        <p:txBody>
+          <a:bodyPr/>
+          <a:lstStyle/>
+          <a:p>
+            <a:r>
+              <a:rPr lang="en-US" dirty="0"/>
+              <a:t>Wastage of Light time during switching: 12µs</a:t>
+            </a:r>
+          </a:p>
+          <a:p>
+            <a:endParaRPr lang="en-US" dirty="0"/>
+          </a:p>
+        </p:txBody>
+      </p:sp>
+    </p:spTree>
+    <p:extLst>
+      <p:ext uri="{BB962C8B-B14F-4D97-AF65-F5344CB8AC3E}">
+        <p14:creationId xmlns:p14="http://schemas.microsoft.com/office/powerpoint/2010/main" val="1788007386"/>
+      </p:ext>
+    </p:extLst>
+  </p:cSld>
+  <p:clrMapOvr>
+    <a:masterClrMapping/>
+  </p:clrMapOvr>
+</p:sld>
+</file>
+
+<file path=ppt/slides/slide14.xml><?xml version="1.0" encoding="utf-8"?>
+<p:sld xmlns:a="http://schemas.openxmlformats.org/drawingml/2006/main" xmlns:r="http://schemas.openxmlformats.org/officeDocument/2006/relationships" xmlns:p="http://schemas.openxmlformats.org/presentationml/2006/main">
+  <p:cSld>
+    <p:spTree>
+      <p:nvGrpSpPr>
+        <p:cNvPr id="1" name=""/>
+        <p:cNvGrpSpPr/>
+        <p:nvPr/>
+      </p:nvGrpSpPr>
+      <p:grpSpPr>
+        <a:xfrm>
+          <a:off x="0" y="0"/>
+          <a:ext cx="0" cy="0"/>
+          <a:chOff x="0" y="0"/>
+          <a:chExt cx="0" cy="0"/>
+        </a:xfrm>
+      </p:grpSpPr>
+      <p:sp>
+        <p:nvSpPr>
+          <p:cNvPr id="2" name="Title 1">
+            <a:extLst>
+              <a:ext uri="{FF2B5EF4-FFF2-40B4-BE49-F238E27FC236}">
+                <a16:creationId xmlns:a16="http://schemas.microsoft.com/office/drawing/2014/main" id="{E31045EC-473F-334F-9DB2-844A7D3228BB}"/>
+              </a:ext>
+            </a:extLst>
+          </p:cNvPr>
+          <p:cNvSpPr>
+            <a:spLocks noGrp="1"/>
+          </p:cNvSpPr>
+          <p:nvPr>
+            <p:ph type="title"/>
+          </p:nvPr>
+        </p:nvSpPr>
+        <p:spPr/>
+        <p:txBody>
+          <a:bodyPr/>
+          <a:lstStyle/>
+          <a:p>
+            <a:r>
+              <a:rPr lang="en-US" dirty="0" err="1"/>
+              <a:t>AdjustNet</a:t>
+            </a:r>
+            <a:r>
+              <a:rPr lang="en-US" dirty="0"/>
+              <a:t>:</a:t>
+            </a:r>
+            <a:br>
+              <a:rPr lang="en-US" dirty="0"/>
+            </a:br>
+            <a:r>
+              <a:rPr lang="en-US" dirty="0"/>
+              <a:t>Big Picture</a:t>
+            </a:r>
+          </a:p>
+        </p:txBody>
+      </p:sp>
+      <p:sp>
+        <p:nvSpPr>
+          <p:cNvPr id="3" name="Content Placeholder 2">
+            <a:extLst>
+              <a:ext uri="{FF2B5EF4-FFF2-40B4-BE49-F238E27FC236}">
+                <a16:creationId xmlns:a16="http://schemas.microsoft.com/office/drawing/2014/main" id="{DB0EBE7A-4D8D-C845-890A-72CDA5B430AC}"/>
+              </a:ext>
+            </a:extLst>
+          </p:cNvPr>
+          <p:cNvSpPr>
+            <a:spLocks noGrp="1"/>
+          </p:cNvSpPr>
+          <p:nvPr>
+            <p:ph idx="1"/>
+          </p:nvPr>
+        </p:nvSpPr>
+        <p:spPr/>
+        <p:txBody>
+          <a:bodyPr/>
+          <a:lstStyle/>
+          <a:p>
+            <a:r>
+              <a:rPr lang="en-US" dirty="0"/>
+              <a:t>#23</a:t>
+            </a:r>
+          </a:p>
+        </p:txBody>
+      </p:sp>
+    </p:spTree>
+    <p:extLst>
+      <p:ext uri="{BB962C8B-B14F-4D97-AF65-F5344CB8AC3E}">
+        <p14:creationId xmlns:p14="http://schemas.microsoft.com/office/powerpoint/2010/main" val="2290181147"/>
+      </p:ext>
+    </p:extLst>
+  </p:cSld>
+  <p:clrMapOvr>
+    <a:masterClrMapping/>
+  </p:clrMapOvr>
+</p:sld>
+</file>
+
 <file path=ppt/slides/slide2.xml><?xml version="1.0" encoding="utf-8"?>
 <p:sld xmlns:a="http://schemas.openxmlformats.org/drawingml/2006/main" xmlns:r="http://schemas.openxmlformats.org/officeDocument/2006/relationships" xmlns:p="http://schemas.openxmlformats.org/presentationml/2006/main">
   <p:cSld>
@@ -8010,12 +8993,15 @@
           <a:lstStyle/>
           <a:p>
             <a:r>
-              <a:rPr lang="en-US" dirty="0" err="1"/>
-              <a:t>AdjustNet</a:t>
-            </a:r>
-            <a:endParaRPr lang="en-US" dirty="0"/>
-          </a:p>
-          <a:p>
+              <a:rPr lang="en-US" dirty="0"/>
+              <a:t>Motivations</a:t>
+            </a:r>
+          </a:p>
+          <a:p>
+            <a:r>
+              <a:rPr lang="en-IN" dirty="0"/>
+              <a:t>Background: </a:t>
+            </a:r>
             <a:r>
               <a:rPr lang="en-IN" dirty="0" err="1"/>
               <a:t>ProjecToR</a:t>
@@ -8023,6 +9009,10 @@
             <a:endParaRPr lang="en-IN" dirty="0"/>
           </a:p>
           <a:p>
+            <a:r>
+              <a:rPr lang="en-IN" dirty="0"/>
+              <a:t>Self-adjusting Network: </a:t>
+            </a:r>
             <a:r>
               <a:rPr lang="en-IN" dirty="0" err="1"/>
               <a:t>AdjustNet</a:t>
@@ -8467,7 +9457,17 @@
           <a:bodyPr/>
           <a:lstStyle/>
           <a:p>
-            <a:endParaRPr lang="en-US"/>
+            <a:r>
+              <a:rPr lang="en-US" dirty="0"/>
+              <a:t>Motivation:</a:t>
+            </a:r>
+            <a:br>
+              <a:rPr lang="en-US" dirty="0"/>
+            </a:br>
+            <a:r>
+              <a:rPr lang="en-US" dirty="0"/>
+              <a:t>Find Structure in Demand</a:t>
+            </a:r>
           </a:p>
         </p:txBody>
       </p:sp>
@@ -8492,7 +9492,10 @@
           <a:bodyPr/>
           <a:lstStyle/>
           <a:p>
-            <a:endParaRPr lang="en-US"/>
+            <a:r>
+              <a:rPr lang="en-US" dirty="0"/>
+              <a:t>#18</a:t>
+            </a:r>
           </a:p>
         </p:txBody>
       </p:sp>
@@ -8500,6 +9503,258 @@
     <p:extLst>
       <p:ext uri="{BB962C8B-B14F-4D97-AF65-F5344CB8AC3E}">
         <p14:creationId xmlns:p14="http://schemas.microsoft.com/office/powerpoint/2010/main" val="3718205572"/>
+      </p:ext>
+    </p:extLst>
+  </p:cSld>
+  <p:clrMapOvr>
+    <a:masterClrMapping/>
+  </p:clrMapOvr>
+</p:sld>
+</file>
+
+<file path=ppt/slides/slide8.xml><?xml version="1.0" encoding="utf-8"?>
+<p:sld xmlns:a="http://schemas.openxmlformats.org/drawingml/2006/main" xmlns:r="http://schemas.openxmlformats.org/officeDocument/2006/relationships" xmlns:p="http://schemas.openxmlformats.org/presentationml/2006/main">
+  <p:cSld>
+    <p:spTree>
+      <p:nvGrpSpPr>
+        <p:cNvPr id="1" name=""/>
+        <p:cNvGrpSpPr/>
+        <p:nvPr/>
+      </p:nvGrpSpPr>
+      <p:grpSpPr>
+        <a:xfrm>
+          <a:off x="0" y="0"/>
+          <a:ext cx="0" cy="0"/>
+          <a:chOff x="0" y="0"/>
+          <a:chExt cx="0" cy="0"/>
+        </a:xfrm>
+      </p:grpSpPr>
+      <p:sp>
+        <p:nvSpPr>
+          <p:cNvPr id="2" name="Title 1">
+            <a:extLst>
+              <a:ext uri="{FF2B5EF4-FFF2-40B4-BE49-F238E27FC236}">
+                <a16:creationId xmlns:a16="http://schemas.microsoft.com/office/drawing/2014/main" id="{89863A69-CFD6-6941-8C35-8BBA5B009B91}"/>
+              </a:ext>
+            </a:extLst>
+          </p:cNvPr>
+          <p:cNvSpPr>
+            <a:spLocks noGrp="1"/>
+          </p:cNvSpPr>
+          <p:nvPr>
+            <p:ph type="title"/>
+          </p:nvPr>
+        </p:nvSpPr>
+        <p:spPr/>
+        <p:txBody>
+          <a:bodyPr/>
+          <a:lstStyle/>
+          <a:p>
+            <a:r>
+              <a:rPr lang="en-US" dirty="0"/>
+              <a:t>How to Achieve it?</a:t>
+            </a:r>
+            <a:br>
+              <a:rPr lang="en-US" dirty="0"/>
+            </a:br>
+            <a:r>
+              <a:rPr lang="en-US" dirty="0"/>
+              <a:t>Enabler Technology</a:t>
+            </a:r>
+          </a:p>
+        </p:txBody>
+      </p:sp>
+      <p:sp>
+        <p:nvSpPr>
+          <p:cNvPr id="3" name="Content Placeholder 2">
+            <a:extLst>
+              <a:ext uri="{FF2B5EF4-FFF2-40B4-BE49-F238E27FC236}">
+                <a16:creationId xmlns:a16="http://schemas.microsoft.com/office/drawing/2014/main" id="{5E650E9F-0FA9-8646-AB8B-B9C17DB04910}"/>
+              </a:ext>
+            </a:extLst>
+          </p:cNvPr>
+          <p:cNvSpPr>
+            <a:spLocks noGrp="1"/>
+          </p:cNvSpPr>
+          <p:nvPr>
+            <p:ph idx="1"/>
+          </p:nvPr>
+        </p:nvSpPr>
+        <p:spPr/>
+        <p:txBody>
+          <a:bodyPr/>
+          <a:lstStyle/>
+          <a:p>
+            <a:r>
+              <a:rPr lang="en-IN" dirty="0"/>
+              <a:t>Novel Reconfigurable Optical Switches</a:t>
+            </a:r>
+          </a:p>
+          <a:p>
+            <a:r>
+              <a:rPr lang="en-US" dirty="0"/>
+              <a:t>#20</a:t>
+            </a:r>
+          </a:p>
+        </p:txBody>
+      </p:sp>
+    </p:spTree>
+    <p:extLst>
+      <p:ext uri="{BB962C8B-B14F-4D97-AF65-F5344CB8AC3E}">
+        <p14:creationId xmlns:p14="http://schemas.microsoft.com/office/powerpoint/2010/main" val="3336757638"/>
+      </p:ext>
+    </p:extLst>
+  </p:cSld>
+  <p:clrMapOvr>
+    <a:masterClrMapping/>
+  </p:clrMapOvr>
+</p:sld>
+</file>
+
+<file path=ppt/slides/slide9.xml><?xml version="1.0" encoding="utf-8"?>
+<p:sld xmlns:a="http://schemas.openxmlformats.org/drawingml/2006/main" xmlns:r="http://schemas.openxmlformats.org/officeDocument/2006/relationships" xmlns:p="http://schemas.openxmlformats.org/presentationml/2006/main">
+  <p:cSld>
+    <p:spTree>
+      <p:nvGrpSpPr>
+        <p:cNvPr id="1" name=""/>
+        <p:cNvGrpSpPr/>
+        <p:nvPr/>
+      </p:nvGrpSpPr>
+      <p:grpSpPr>
+        <a:xfrm>
+          <a:off x="0" y="0"/>
+          <a:ext cx="0" cy="0"/>
+          <a:chOff x="0" y="0"/>
+          <a:chExt cx="0" cy="0"/>
+        </a:xfrm>
+      </p:grpSpPr>
+      <p:sp>
+        <p:nvSpPr>
+          <p:cNvPr id="2" name="Title 1">
+            <a:extLst>
+              <a:ext uri="{FF2B5EF4-FFF2-40B4-BE49-F238E27FC236}">
+                <a16:creationId xmlns:a16="http://schemas.microsoft.com/office/drawing/2014/main" id="{017A37EF-7E54-104E-B12E-A8D54F5CBD6A}"/>
+              </a:ext>
+            </a:extLst>
+          </p:cNvPr>
+          <p:cNvSpPr>
+            <a:spLocks noGrp="1"/>
+          </p:cNvSpPr>
+          <p:nvPr>
+            <p:ph type="title"/>
+          </p:nvPr>
+        </p:nvSpPr>
+        <p:spPr/>
+        <p:txBody>
+          <a:bodyPr/>
+          <a:lstStyle/>
+          <a:p>
+            <a:r>
+              <a:rPr lang="en-US" dirty="0" err="1"/>
+              <a:t>ProjecToR</a:t>
+            </a:r>
+            <a:endParaRPr lang="en-US" dirty="0"/>
+          </a:p>
+        </p:txBody>
+      </p:sp>
+      <p:sp>
+        <p:nvSpPr>
+          <p:cNvPr id="3" name="Content Placeholder 2">
+            <a:extLst>
+              <a:ext uri="{FF2B5EF4-FFF2-40B4-BE49-F238E27FC236}">
+                <a16:creationId xmlns:a16="http://schemas.microsoft.com/office/drawing/2014/main" id="{603349B0-38BE-8C4E-BB8E-ADBB84823D94}"/>
+              </a:ext>
+            </a:extLst>
+          </p:cNvPr>
+          <p:cNvSpPr>
+            <a:spLocks noGrp="1"/>
+          </p:cNvSpPr>
+          <p:nvPr>
+            <p:ph idx="1"/>
+          </p:nvPr>
+        </p:nvSpPr>
+        <p:spPr/>
+        <p:txBody>
+          <a:bodyPr/>
+          <a:lstStyle/>
+          <a:p>
+            <a:r>
+              <a:rPr lang="en-US" dirty="0"/>
+              <a:t>Reconfigurable Top of Rack Optical Switch</a:t>
+            </a:r>
+          </a:p>
+          <a:p>
+            <a:pPr lvl="1"/>
+            <a:r>
+              <a:rPr lang="en-US" dirty="0"/>
+              <a:t>Disco Ball Arrangement</a:t>
+            </a:r>
+          </a:p>
+        </p:txBody>
+      </p:sp>
+      <p:pic>
+        <p:nvPicPr>
+          <p:cNvPr id="7" name="Picture 6">
+            <a:extLst>
+              <a:ext uri="{FF2B5EF4-FFF2-40B4-BE49-F238E27FC236}">
+                <a16:creationId xmlns:a16="http://schemas.microsoft.com/office/drawing/2014/main" id="{F958E5C3-6DF9-E04F-91AF-147406B84B5A}"/>
+              </a:ext>
+            </a:extLst>
+          </p:cNvPr>
+          <p:cNvPicPr>
+            <a:picLocks noChangeAspect="1"/>
+          </p:cNvPicPr>
+          <p:nvPr/>
+        </p:nvPicPr>
+        <p:blipFill>
+          <a:blip r:embed="rId2"/>
+          <a:stretch>
+            <a:fillRect/>
+          </a:stretch>
+        </p:blipFill>
+        <p:spPr>
+          <a:xfrm>
+            <a:off x="680321" y="3401878"/>
+            <a:ext cx="5080000" cy="2768600"/>
+          </a:xfrm>
+          <a:prstGeom prst="rect">
+            <a:avLst/>
+          </a:prstGeom>
+        </p:spPr>
+      </p:pic>
+      <p:pic>
+        <p:nvPicPr>
+          <p:cNvPr id="9" name="Picture 8">
+            <a:extLst>
+              <a:ext uri="{FF2B5EF4-FFF2-40B4-BE49-F238E27FC236}">
+                <a16:creationId xmlns:a16="http://schemas.microsoft.com/office/drawing/2014/main" id="{3E7E310D-11DF-DF4A-9FD3-193B6573E6F9}"/>
+              </a:ext>
+            </a:extLst>
+          </p:cNvPr>
+          <p:cNvPicPr>
+            <a:picLocks noChangeAspect="1"/>
+          </p:cNvPicPr>
+          <p:nvPr/>
+        </p:nvPicPr>
+        <p:blipFill rotWithShape="1">
+          <a:blip r:embed="rId3"/>
+          <a:srcRect t="9198"/>
+          <a:stretch/>
+        </p:blipFill>
+        <p:spPr>
+          <a:xfrm>
+            <a:off x="6981125" y="3429000"/>
+            <a:ext cx="4425628" cy="2733049"/>
+          </a:xfrm>
+          <a:prstGeom prst="rect">
+            <a:avLst/>
+          </a:prstGeom>
+        </p:spPr>
+      </p:pic>
+    </p:spTree>
+    <p:extLst>
+      <p:ext uri="{BB962C8B-B14F-4D97-AF65-F5344CB8AC3E}">
+        <p14:creationId xmlns:p14="http://schemas.microsoft.com/office/powerpoint/2010/main" val="1825590388"/>
       </p:ext>
     </p:extLst>
   </p:cSld>

--- a/ReadingGroup/ReadingGroup-AdjustNet.pptx
+++ b/ReadingGroup/ReadingGroup-AdjustNet.pptx
@@ -246,7 +246,7 @@
           <a:bodyPr lIns="0" rIns="0" tIns="0" bIns="0" anchor="b"/>
           <a:p>
             <a:pPr algn="r"/>
-            <a:fld id="{199A031D-496B-4638-BB89-F9597DD0B302}" type="slidenum">
+            <a:fld id="{FCD606A9-D29C-4C53-AE22-4F8239D6B733}" type="slidenum">
               <a:rPr b="0" lang="en-IN" sz="1400" spc="-1" strike="noStrike">
                 <a:latin typeface="Times New Roman"/>
               </a:rPr>
@@ -3475,7 +3475,7 @@
                 <a:spcPct val="100000"/>
               </a:lnSpc>
             </a:pPr>
-            <a:fld id="{38A7EF4F-3DBD-470B-A36B-AA75C8748E4B}" type="datetime">
+            <a:fld id="{A4AB9B55-8EC2-452C-A0FC-F4F3CEBF8B31}" type="datetime">
               <a:rPr b="0" lang="en-IN" sz="1050" spc="-1" strike="noStrike">
                 <a:solidFill>
                   <a:srgbClr val="ffffff"/>
@@ -3545,7 +3545,7 @@
                 <a:spcPct val="100000"/>
               </a:lnSpc>
             </a:pPr>
-            <a:fld id="{FFC85E95-6CB6-4AD9-BC12-878F69FE8325}" type="slidenum">
+            <a:fld id="{BBAE390D-F71F-4305-BBCC-9D5457E565B8}" type="slidenum">
               <a:rPr b="0" lang="en-IN" sz="3600" spc="-1" strike="noStrike">
                 <a:solidFill>
                   <a:srgbClr val="ffffff"/>
@@ -4207,7 +4207,7 @@
                 <a:spcPct val="100000"/>
               </a:lnSpc>
             </a:pPr>
-            <a:fld id="{D6856B33-D942-4F9C-B781-E296DD322AF8}" type="datetime">
+            <a:fld id="{D1D48FB1-6B62-4BC7-9BF2-0ECC997B75CB}" type="datetime">
               <a:rPr b="0" lang="en-IN" sz="1050" spc="-1" strike="noStrike">
                 <a:solidFill>
                   <a:srgbClr val="ffffff"/>
@@ -4277,7 +4277,7 @@
                 <a:spcPct val="100000"/>
               </a:lnSpc>
             </a:pPr>
-            <a:fld id="{FFED6A60-2600-400E-88A2-29493D7A15CD}" type="slidenum">
+            <a:fld id="{29D7342B-70BA-4DDD-9E27-AA963403A9BF}" type="slidenum">
               <a:rPr b="0" lang="en-IN" sz="3600" spc="-1" strike="noStrike">
                 <a:solidFill>
                   <a:srgbClr val="ffffff"/>
@@ -4363,16 +4363,7 @@
                 </a:solidFill>
                 <a:latin typeface="Trebuchet MS"/>
               </a:rPr>
-              <a:t>Self Adjusting </a:t>
-            </a:r>
-            <a:r>
-              <a:rPr b="0" lang="en-US" sz="5400" spc="-1" strike="noStrike">
-                <a:solidFill>
-                  <a:srgbClr val="ffffff"/>
-                </a:solidFill>
-                <a:latin typeface="Trebuchet MS"/>
-              </a:rPr>
-              <a:t>Networking</a:t>
+              <a:t>Self Adjusting Networking</a:t>
             </a:r>
             <a:endParaRPr b="0" lang="en-US" sz="5400" spc="-1" strike="noStrike">
               <a:solidFill>
@@ -6403,7 +6394,7 @@
             </a:avLst>
           </a:prstGeom>
           <a:solidFill>
-            <a:srgbClr val="729fcf"/>
+            <a:srgbClr val="ffffff"/>
           </a:solidFill>
           <a:ln>
             <a:solidFill>
@@ -6825,9 +6816,9 @@
         <p:grpSpPr>
           <a:xfrm>
             <a:off x="1296000" y="4212000"/>
-            <a:ext cx="1728000" cy="1944000"/>
+            <a:ext cx="1728000" cy="1933200"/>
             <a:chOff x="1296000" y="4212000"/>
-            <a:chExt cx="1728000" cy="1944000"/>
+            <a:chExt cx="1728000" cy="1933200"/>
           </a:xfrm>
         </p:grpSpPr>
         <p:pic>
@@ -6838,13 +6829,13 @@
           </p:nvPicPr>
           <p:blipFill>
             <a:blip r:embed="rId3"/>
-            <a:srcRect l="25526" t="40945" r="60297" b="30695"/>
+            <a:srcRect l="25526" t="40945" r="60297" b="33319"/>
             <a:stretch/>
           </p:blipFill>
           <p:spPr>
             <a:xfrm>
               <a:off x="1296000" y="4212000"/>
-              <a:ext cx="1727640" cy="1944000"/>
+              <a:ext cx="1727640" cy="1763640"/>
             </a:xfrm>
             <a:prstGeom prst="rect">
               <a:avLst/>
